--- a/YB기획서/기획서.pptx
+++ b/YB기획서/기획서.pptx
@@ -125,15 +125,9 @@
 <file path=ppt/revisionInfo.xml><?xml version="1.0" encoding="utf-8"?>
 <p1510:revInfo xmlns:a="http://schemas.openxmlformats.org/drawingml/2006/main" xmlns:r="http://schemas.openxmlformats.org/officeDocument/2006/relationships" xmlns:p1510="http://schemas.microsoft.com/office/powerpoint/2015/10/main">
   <p1510:revLst>
-    <p1510:client id="{175043A0-A8A5-3912-4FC7-9202AC6177F1}" v="8" dt="2024-09-24T11:56:46.698"/>
-    <p1510:client id="{1BCDE3DF-816D-82A0-9037-B33BCE09BA73}" v="730" dt="2024-09-24T15:43:08.742"/>
-    <p1510:client id="{3F620068-0A19-E159-ABBA-9A5FC190D8F9}" v="57" dt="2024-09-23T16:11:02.675"/>
-    <p1510:client id="{4864DE13-7636-6C60-6C10-2A2B68C55B07}" v="360" dt="2024-09-24T09:28:33.868"/>
-    <p1510:client id="{7B7EFB11-F72A-4A99-F51C-102F4F42E488}" v="38" dt="2024-09-24T05:59:49.226"/>
-    <p1510:client id="{7E451A9E-F6C9-441A-641C-32F1DFC16D6A}" v="5" dt="2024-09-23T11:26:05.606"/>
-    <p1510:client id="{9EBE998F-3F32-76F2-D4B2-1355C7EAB821}" v="242" dt="2024-09-24T04:01:09.887"/>
-    <p1510:client id="{B211CEAC-19E9-D968-28F8-BB8AF4DF7F88}" v="242" dt="2024-09-24T04:48:30.846"/>
-    <p1510:client id="{EB1619BF-C4B8-9B47-A949-D365A8B6B902}" v="444" dt="2024-09-24T03:44:19.911"/>
+    <p1510:client id="{6975C983-1D4A-BFB7-268A-7B8FDCEF45D4}" v="273" dt="2024-09-26T10:14:10.451"/>
+    <p1510:client id="{A0710E5F-9B24-DA43-9C05-3DDC8D75A0D7}" v="1" dt="2024-09-25T05:24:11.053"/>
+    <p1510:client id="{CBF1F1E2-62A2-5D6F-9B22-5D6F02370AE9}" v="165" dt="2024-09-26T17:04:56.749"/>
   </p1510:revLst>
 </p1510:revInfo>
 </file>
@@ -267,7 +261,7 @@
           <a:p>
             <a:fld id="{2566825D-2B69-4989-8861-A6901ABADB6C}" type="datetimeFigureOut">
               <a:rPr lang="ko-KR" altLang="en-US" smtClean="0"/>
-              <a:t>2024-09-24</a:t>
+              <a:t>2024-09-26</a:t>
             </a:fld>
             <a:endParaRPr lang="ko-KR" altLang="en-US"/>
           </a:p>
@@ -435,7 +429,7 @@
           <a:p>
             <a:fld id="{2566825D-2B69-4989-8861-A6901ABADB6C}" type="datetimeFigureOut">
               <a:rPr lang="ko-KR" altLang="en-US" smtClean="0"/>
-              <a:t>2024-09-24</a:t>
+              <a:t>2024-09-26</a:t>
             </a:fld>
             <a:endParaRPr lang="ko-KR" altLang="en-US"/>
           </a:p>
@@ -613,7 +607,7 @@
           <a:p>
             <a:fld id="{2566825D-2B69-4989-8861-A6901ABADB6C}" type="datetimeFigureOut">
               <a:rPr lang="ko-KR" altLang="en-US" smtClean="0"/>
-              <a:t>2024-09-24</a:t>
+              <a:t>2024-09-26</a:t>
             </a:fld>
             <a:endParaRPr lang="ko-KR" altLang="en-US"/>
           </a:p>
@@ -781,7 +775,7 @@
           <a:p>
             <a:fld id="{2566825D-2B69-4989-8861-A6901ABADB6C}" type="datetimeFigureOut">
               <a:rPr lang="ko-KR" altLang="en-US" smtClean="0"/>
-              <a:t>2024-09-24</a:t>
+              <a:t>2024-09-26</a:t>
             </a:fld>
             <a:endParaRPr lang="ko-KR" altLang="en-US"/>
           </a:p>
@@ -1026,7 +1020,7 @@
           <a:p>
             <a:fld id="{2566825D-2B69-4989-8861-A6901ABADB6C}" type="datetimeFigureOut">
               <a:rPr lang="ko-KR" altLang="en-US" smtClean="0"/>
-              <a:t>2024-09-24</a:t>
+              <a:t>2024-09-26</a:t>
             </a:fld>
             <a:endParaRPr lang="ko-KR" altLang="en-US"/>
           </a:p>
@@ -1255,7 +1249,7 @@
           <a:p>
             <a:fld id="{2566825D-2B69-4989-8861-A6901ABADB6C}" type="datetimeFigureOut">
               <a:rPr lang="ko-KR" altLang="en-US" smtClean="0"/>
-              <a:t>2024-09-24</a:t>
+              <a:t>2024-09-26</a:t>
             </a:fld>
             <a:endParaRPr lang="ko-KR" altLang="en-US"/>
           </a:p>
@@ -1619,7 +1613,7 @@
           <a:p>
             <a:fld id="{2566825D-2B69-4989-8861-A6901ABADB6C}" type="datetimeFigureOut">
               <a:rPr lang="ko-KR" altLang="en-US" smtClean="0"/>
-              <a:t>2024-09-24</a:t>
+              <a:t>2024-09-26</a:t>
             </a:fld>
             <a:endParaRPr lang="ko-KR" altLang="en-US"/>
           </a:p>
@@ -1736,7 +1730,7 @@
           <a:p>
             <a:fld id="{2566825D-2B69-4989-8861-A6901ABADB6C}" type="datetimeFigureOut">
               <a:rPr lang="ko-KR" altLang="en-US" smtClean="0"/>
-              <a:t>2024-09-24</a:t>
+              <a:t>2024-09-26</a:t>
             </a:fld>
             <a:endParaRPr lang="ko-KR" altLang="en-US"/>
           </a:p>
@@ -1831,7 +1825,7 @@
           <a:p>
             <a:fld id="{2566825D-2B69-4989-8861-A6901ABADB6C}" type="datetimeFigureOut">
               <a:rPr lang="ko-KR" altLang="en-US" smtClean="0"/>
-              <a:t>2024-09-24</a:t>
+              <a:t>2024-09-26</a:t>
             </a:fld>
             <a:endParaRPr lang="ko-KR" altLang="en-US"/>
           </a:p>
@@ -2106,7 +2100,7 @@
           <a:p>
             <a:fld id="{2566825D-2B69-4989-8861-A6901ABADB6C}" type="datetimeFigureOut">
               <a:rPr lang="ko-KR" altLang="en-US" smtClean="0"/>
-              <a:t>2024-09-24</a:t>
+              <a:t>2024-09-26</a:t>
             </a:fld>
             <a:endParaRPr lang="ko-KR" altLang="en-US"/>
           </a:p>
@@ -2358,7 +2352,7 @@
           <a:p>
             <a:fld id="{2566825D-2B69-4989-8861-A6901ABADB6C}" type="datetimeFigureOut">
               <a:rPr lang="ko-KR" altLang="en-US" smtClean="0"/>
-              <a:t>2024-09-24</a:t>
+              <a:t>2024-09-26</a:t>
             </a:fld>
             <a:endParaRPr lang="ko-KR" altLang="en-US"/>
           </a:p>
@@ -2569,7 +2563,7 @@
           <a:p>
             <a:fld id="{2566825D-2B69-4989-8861-A6901ABADB6C}" type="datetimeFigureOut">
               <a:rPr lang="ko-KR" altLang="en-US" smtClean="0"/>
-              <a:t>2024-09-24</a:t>
+              <a:t>2024-09-26</a:t>
             </a:fld>
             <a:endParaRPr lang="ko-KR" altLang="en-US"/>
           </a:p>
@@ -3431,10 +3425,10 @@
       </p:sp>
       <p:sp>
         <p:nvSpPr>
-          <p:cNvPr id="5" name="내용 개체 틀 4">
+          <p:cNvPr id="9" name="내용 개체 틀 8">
             <a:extLst>
               <a:ext uri="{FF2B5EF4-FFF2-40B4-BE49-F238E27FC236}">
-                <a16:creationId xmlns:a16="http://schemas.microsoft.com/office/drawing/2014/main" id="{03E3F043-3EE6-3560-B065-0A58C509E952}"/>
+                <a16:creationId xmlns:a16="http://schemas.microsoft.com/office/drawing/2014/main" id="{B81D4F8E-9650-8C00-91D3-9AF454A2C32C}"/>
               </a:ext>
             </a:extLst>
           </p:cNvPr>
@@ -3447,8 +3441,8 @@
         </p:nvSpPr>
         <p:spPr>
           <a:xfrm>
-            <a:off x="838200" y="1819167"/>
-            <a:ext cx="10515600" cy="4351338"/>
+            <a:off x="7335252" y="1574968"/>
+            <a:ext cx="4018548" cy="4591969"/>
           </a:xfrm>
         </p:spPr>
         <p:txBody>
@@ -3457,62 +3451,139 @@
           </a:bodyPr>
           <a:lstStyle/>
           <a:p>
-            <a:r>
-              <a:rPr lang="ko-KR" altLang="en-US" dirty="0">
-                <a:ea typeface="맑은 고딕"/>
-              </a:rPr>
-              <a:t>보유중인 재화, 구단의 </a:t>
-            </a:r>
-            <a:r>
-              <a:rPr lang="ko-KR" altLang="en-US" dirty="0" err="1">
-                <a:ea typeface="맑은 고딕"/>
-              </a:rPr>
-              <a:t>명성치</a:t>
-            </a:r>
-            <a:r>
-              <a:rPr lang="ko-KR" altLang="en-US" dirty="0">
-                <a:ea typeface="맑은 고딕"/>
-              </a:rPr>
-              <a:t>, 인기도 표시, 소속리그와 현재 순위 표시</a:t>
-            </a:r>
-          </a:p>
-          <a:p>
-            <a:r>
-              <a:rPr lang="ko-KR" altLang="en-US" dirty="0">
-                <a:ea typeface="맑은 고딕"/>
-              </a:rPr>
-              <a:t>선택가능한 메뉴 표시</a:t>
-            </a:r>
-          </a:p>
-          <a:p>
+            <a:pPr marL="0" indent="0">
+              <a:buNone/>
+            </a:pPr>
             <a:r>
               <a:rPr lang="ko-KR" altLang="en-US" sz="2000" dirty="0">
                 <a:ea typeface="맑은 고딕"/>
               </a:rPr>
-              <a:t>일정선택</a:t>
-            </a:r>
+              <a:t>①</a:t>
+            </a:r>
+            <a:r>
+              <a:rPr lang="ko-KR" altLang="en-US" sz="2000" dirty="0" err="1">
+                <a:ea typeface="맑은 고딕"/>
+              </a:rPr>
+              <a:t>팀명</a:t>
+            </a:r>
+            <a:endParaRPr lang="ko-KR" sz="2000" dirty="0" err="1">
+              <a:ea typeface="맑은 고딕"/>
+            </a:endParaRPr>
+          </a:p>
+          <a:p>
+            <a:pPr marL="0" indent="0">
+              <a:buNone/>
+            </a:pPr>
+            <a:r>
+              <a:rPr lang="ko-KR" altLang="en-US" sz="2000" dirty="0">
+                <a:ea typeface="맑은 고딕"/>
+              </a:rPr>
+              <a:t>②팀의 인지도</a:t>
+            </a:r>
+          </a:p>
+          <a:p>
+            <a:pPr marL="0" indent="0">
+              <a:buNone/>
+            </a:pPr>
+            <a:r>
+              <a:rPr lang="ko-KR" altLang="en-US" sz="2000" dirty="0">
+                <a:ea typeface="맑은 고딕"/>
+              </a:rPr>
+              <a:t>③보유한 재화</a:t>
+            </a:r>
+          </a:p>
+          <a:p>
+            <a:pPr marL="0" indent="0">
+              <a:buNone/>
+            </a:pPr>
             <a:endParaRPr lang="ko-KR" altLang="en-US" sz="2000" dirty="0">
-              <a:ea typeface="맑은 고딕" panose="020B0503020000020004" pitchFamily="34" charset="-127"/>
+              <a:ea typeface="맑은 고딕"/>
             </a:endParaRPr>
           </a:p>
           <a:p>
+            <a:pPr marL="0" indent="0">
+              <a:buNone/>
+            </a:pPr>
             <a:r>
               <a:rPr lang="ko-KR" altLang="en-US" sz="2000" dirty="0">
                 <a:ea typeface="맑은 고딕"/>
               </a:rPr>
-              <a:t>선수명부</a:t>
-            </a:r>
-          </a:p>
-          <a:p>
+              <a:t>④소속 리그와 현재 순위(버튼)</a:t>
+            </a:r>
+          </a:p>
+          <a:p>
+            <a:pPr marL="0" indent="0">
+              <a:buNone/>
+            </a:pPr>
             <a:r>
               <a:rPr lang="ko-KR" altLang="en-US" sz="2000" dirty="0">
                 <a:ea typeface="맑은 고딕"/>
               </a:rPr>
-              <a:t>이적시장</a:t>
-            </a:r>
-          </a:p>
-        </p:txBody>
-      </p:sp>
+              <a:t>⑤선수 명부(버튼)</a:t>
+            </a:r>
+          </a:p>
+          <a:p>
+            <a:pPr marL="0" indent="0">
+              <a:buNone/>
+            </a:pPr>
+            <a:r>
+              <a:rPr lang="ko-KR" altLang="en-US" sz="2000" dirty="0">
+                <a:ea typeface="맑은 고딕"/>
+              </a:rPr>
+              <a:t>⑥일정 선택(버튼-일정이 종료 시 경기 버튼으로 변경)</a:t>
+            </a:r>
+          </a:p>
+          <a:p>
+            <a:pPr marL="0" indent="0">
+              <a:buNone/>
+            </a:pPr>
+            <a:endParaRPr lang="ko-KR" altLang="en-US" sz="2000" dirty="0">
+              <a:ea typeface="맑은 고딕"/>
+            </a:endParaRPr>
+          </a:p>
+          <a:p>
+            <a:pPr marL="0" indent="0">
+              <a:buNone/>
+            </a:pPr>
+            <a:r>
+              <a:rPr lang="ko-KR" altLang="en-US" sz="2000" dirty="0">
+                <a:ea typeface="맑은 고딕"/>
+              </a:rPr>
+              <a:t>배경, 버튼 이미지, 컨셉은 의논 필요</a:t>
+            </a:r>
+          </a:p>
+        </p:txBody>
+      </p:sp>
+      <p:pic>
+        <p:nvPicPr>
+          <p:cNvPr id="13" name="그림 12" descr="스크린샷, 직사각형, 도표, 사각형이(가) 표시된 사진&#10;&#10;자동 생성된 설명">
+            <a:extLst>
+              <a:ext uri="{FF2B5EF4-FFF2-40B4-BE49-F238E27FC236}">
+                <a16:creationId xmlns:a16="http://schemas.microsoft.com/office/drawing/2014/main" id="{0524CA38-C4D5-263D-2B9D-E930168D77E1}"/>
+              </a:ext>
+            </a:extLst>
+          </p:cNvPr>
+          <p:cNvPicPr>
+            <a:picLocks noChangeAspect="1"/>
+          </p:cNvPicPr>
+          <p:nvPr/>
+        </p:nvPicPr>
+        <p:blipFill>
+          <a:blip r:embed="rId2"/>
+          <a:stretch>
+            <a:fillRect/>
+          </a:stretch>
+        </p:blipFill>
+        <p:spPr>
+          <a:xfrm>
+            <a:off x="642938" y="1471613"/>
+            <a:ext cx="6296025" cy="4695825"/>
+          </a:xfrm>
+          <a:prstGeom prst="rect">
+            <a:avLst/>
+          </a:prstGeom>
+        </p:spPr>
+      </p:pic>
     </p:spTree>
     <p:extLst>
       <p:ext uri="{BB962C8B-B14F-4D97-AF65-F5344CB8AC3E}">
@@ -3570,7 +3641,7 @@
               <a:rPr lang="ko-KR" altLang="en-US" sz="3600" dirty="0">
                 <a:ea typeface="맑은 고딕"/>
               </a:rPr>
-              <a:t>게임진행</a:t>
+              <a:t>일정선택</a:t>
             </a:r>
           </a:p>
         </p:txBody>
@@ -3593,7 +3664,7 @@
         </p:nvSpPr>
         <p:spPr>
           <a:xfrm>
-            <a:off x="7571184" y="1825625"/>
+            <a:off x="7755731" y="1706563"/>
             <a:ext cx="3782616" cy="4351338"/>
           </a:xfrm>
         </p:spPr>
@@ -3615,7 +3686,7 @@
               <a:rPr lang="ko-KR" altLang="en-US" sz="2000" dirty="0">
                 <a:ea typeface="맑은 고딕"/>
               </a:rPr>
-              <a:t>일정을 선택할 때 마다 달력의 표시, 3일간의 일정을 선택 했다면 진행 여부 확인</a:t>
+              <a:t>경기일정은 빨간색으로 표시 팀 일정을 선택 시 해당 날짜에 일정 표시 </a:t>
             </a:r>
           </a:p>
           <a:p>
@@ -3636,7 +3707,7 @@
               <a:rPr lang="ko-KR" altLang="en-US" sz="2000" dirty="0">
                 <a:ea typeface="맑은 고딕"/>
               </a:rPr>
-              <a:t>29일 경기는 30일 휴식 진행후 바로 1일 경기 진행</a:t>
+              <a:t>경기는 1일부터 시작 29일 경기의 경우 30일 휴식 진행 후 1일 경기 진행</a:t>
             </a:r>
           </a:p>
           <a:p>
@@ -3661,10 +3732,10 @@
       </p:sp>
       <p:pic>
         <p:nvPicPr>
-          <p:cNvPr id="5" name="그림 4" descr="프린세스 메이커2 -공략1- : 네이버 블로그">
+          <p:cNvPr id="4" name="그림 3" descr="텍스트, 스크린샷, 번호, 폰트이(가) 표시된 사진&#10;&#10;자동 생성된 설명">
             <a:extLst>
               <a:ext uri="{FF2B5EF4-FFF2-40B4-BE49-F238E27FC236}">
-                <a16:creationId xmlns:a16="http://schemas.microsoft.com/office/drawing/2014/main" id="{BA1B5E44-11F7-480B-67C0-FB00530BA129}"/>
+                <a16:creationId xmlns:a16="http://schemas.microsoft.com/office/drawing/2014/main" id="{F4041798-3D13-EE7C-9B80-D8AA5D7D76D5}"/>
               </a:ext>
             </a:extLst>
           </p:cNvPr>
@@ -3681,38 +3752,8 @@
         </p:blipFill>
         <p:spPr>
           <a:xfrm>
-            <a:off x="622570" y="1704368"/>
-            <a:ext cx="6780178" cy="4259903"/>
-          </a:xfrm>
-          <a:prstGeom prst="rect">
-            <a:avLst/>
-          </a:prstGeom>
-        </p:spPr>
-      </p:pic>
-      <p:pic>
-        <p:nvPicPr>
-          <p:cNvPr id="6" name="그림 5" descr="스크린샷, 다채로움, 텍스트, 득점판이(가) 표시된 사진&#10;&#10;자동 생성된 설명">
-            <a:extLst>
-              <a:ext uri="{FF2B5EF4-FFF2-40B4-BE49-F238E27FC236}">
-                <a16:creationId xmlns:a16="http://schemas.microsoft.com/office/drawing/2014/main" id="{A10C8F33-0057-69A3-C4E2-73B5918B0E46}"/>
-              </a:ext>
-            </a:extLst>
-          </p:cNvPr>
-          <p:cNvPicPr>
-            <a:picLocks noChangeAspect="1"/>
-          </p:cNvPicPr>
-          <p:nvPr/>
-        </p:nvPicPr>
-        <p:blipFill>
-          <a:blip r:embed="rId3"/>
-          <a:stretch>
-            <a:fillRect/>
-          </a:stretch>
-        </p:blipFill>
-        <p:spPr>
-          <a:xfrm>
-            <a:off x="625744" y="1711674"/>
-            <a:ext cx="2707038" cy="2640363"/>
+            <a:off x="-3509" y="2425371"/>
+            <a:ext cx="3536281" cy="2307056"/>
           </a:xfrm>
           <a:prstGeom prst="rect">
             <a:avLst/>
@@ -3773,11 +3814,14 @@
           <a:lstStyle/>
           <a:p>
             <a:r>
-              <a:rPr lang="ko-KR" altLang="en-US" sz="3600" dirty="0">
-                <a:ea typeface="맑은 고딕"/>
-              </a:rPr>
-              <a:t>리그 경기</a:t>
-            </a:r>
+              <a:rPr lang="ko-KR" altLang="en-US" sz="3600">
+                <a:ea typeface="맑은 고딕"/>
+              </a:rPr>
+              <a:t>경기진행-가</a:t>
+            </a:r>
+            <a:endParaRPr lang="ko-KR" altLang="en-US" sz="3600" dirty="0">
+              <a:ea typeface="맑은 고딕"/>
+            </a:endParaRPr>
           </a:p>
         </p:txBody>
       </p:sp>
@@ -3808,19 +3852,67 @@
               <a:rPr lang="ko-KR" altLang="en-US" sz="2000" dirty="0">
                 <a:ea typeface="맑은 고딕"/>
               </a:rPr>
-              <a:t>일정이 끝난 후 리그 경기로 진입 경기가 끝나면 </a:t>
+              <a:t>9명의 타자들은 각각의 공격력을 상대방의 방어력과 비교하여 진루율을 계산</a:t>
+            </a:r>
+          </a:p>
+          <a:p>
+            <a:r>
+              <a:rPr lang="ko-KR" altLang="en-US" sz="2000" dirty="0">
+                <a:ea typeface="맑은 고딕"/>
+              </a:rPr>
+              <a:t>123베이스 총4번의 진루를 성공하면 1득점</a:t>
+            </a:r>
+          </a:p>
+          <a:p>
+            <a:r>
+              <a:rPr lang="ko-KR" altLang="en-US" sz="2000" dirty="0">
+                <a:ea typeface="맑은 고딕"/>
+              </a:rPr>
+              <a:t>방어시에는 </a:t>
             </a:r>
             <a:r>
               <a:rPr lang="ko-KR" altLang="en-US" sz="2000" dirty="0" err="1">
                 <a:ea typeface="맑은 고딕"/>
               </a:rPr>
-              <a:t>메인메뉴로</a:t>
+              <a:t>첫진루에는</a:t>
             </a:r>
             <a:r>
               <a:rPr lang="ko-KR" altLang="en-US" sz="2000" dirty="0">
                 <a:ea typeface="맑은 고딕"/>
               </a:rPr>
-              <a:t> 이동함 </a:t>
+              <a:t> 투수의 방어력과 상대의 공격력 비교 나머지 진루에는 </a:t>
+            </a:r>
+            <a:r>
+              <a:rPr lang="ko-KR" altLang="en-US" sz="2000" dirty="0" err="1">
+                <a:ea typeface="맑은 고딕"/>
+              </a:rPr>
+              <a:t>팀전체</a:t>
+            </a:r>
+            <a:r>
+              <a:rPr lang="ko-KR" altLang="en-US" sz="2000" dirty="0">
+                <a:ea typeface="맑은 고딕"/>
+              </a:rPr>
+              <a:t> 방어력과 </a:t>
+            </a:r>
+            <a:r>
+              <a:rPr lang="ko-KR" altLang="en-US" sz="2000" dirty="0" err="1">
+                <a:ea typeface="맑은 고딕"/>
+              </a:rPr>
+              <a:t>비교후</a:t>
+            </a:r>
+            <a:r>
+              <a:rPr lang="ko-KR" altLang="en-US" sz="2000" dirty="0">
+                <a:ea typeface="맑은 고딕"/>
+              </a:rPr>
+              <a:t> 진루결정</a:t>
+            </a:r>
+          </a:p>
+          <a:p>
+            <a:r>
+              <a:rPr lang="ko-KR" altLang="en-US" sz="2000" dirty="0">
+                <a:ea typeface="맑은 고딕"/>
+              </a:rPr>
+              <a:t>진루를 3번 실패하면 공수 교대</a:t>
             </a:r>
           </a:p>
         </p:txBody>
@@ -3919,27 +4011,15 @@
               <a:rPr lang="ko-KR" altLang="en-US" sz="2000" dirty="0">
                 <a:ea typeface="맑은 고딕"/>
               </a:rPr>
-              <a:t>보유한 선수들의 정보를 확인 할 수 </a:t>
-            </a:r>
-            <a:r>
-              <a:rPr lang="ko-KR" altLang="en-US" sz="2000" dirty="0" err="1">
-                <a:ea typeface="맑은 고딕"/>
-              </a:rPr>
-              <a:t>있음.ex</a:t>
-            </a:r>
+              <a:t>보유한 선수들의 정보, 상태확인(능력치, 부상 상태)</a:t>
+            </a:r>
+          </a:p>
+          <a:p>
             <a:r>
               <a:rPr lang="ko-KR" altLang="en-US" sz="2000" dirty="0">
                 <a:ea typeface="맑은 고딕"/>
               </a:rPr>
-              <a:t>)능력치, 부상여부 등</a:t>
-            </a:r>
-          </a:p>
-          <a:p>
-            <a:r>
-              <a:rPr lang="ko-KR" altLang="en-US" sz="2000" dirty="0">
-                <a:ea typeface="맑은 고딕"/>
-              </a:rPr>
-              <a:t>선수들의 이름과 등번호를 변경 할 수 있음</a:t>
+              <a:t>선수들의 이름과 등번호를 변경 가능</a:t>
             </a:r>
           </a:p>
           <a:p>
@@ -3952,16 +4032,60 @@
               <a:rPr lang="ko-KR" altLang="en-US" sz="2000" dirty="0">
                 <a:ea typeface="맑은 고딕"/>
               </a:rPr>
-              <a:t>타자 9명을 선택 할 수 있음</a:t>
-            </a:r>
-            <a:endParaRPr lang="ko-KR" dirty="0"/>
-          </a:p>
-          <a:p>
+              <a:t>투수3명, 타자 9명을 선택, 변경 가능(타자와 </a:t>
+            </a:r>
+            <a:r>
+              <a:rPr lang="ko-KR" altLang="en-US" sz="2000" dirty="0" err="1">
+                <a:ea typeface="맑은 고딕"/>
+              </a:rPr>
+              <a:t>투주</a:t>
+            </a:r>
             <a:r>
               <a:rPr lang="ko-KR" altLang="en-US" sz="2000" dirty="0">
                 <a:ea typeface="맑은 고딕"/>
               </a:rPr>
+              <a:t> 중복 선택 가능)</a:t>
+            </a:r>
+          </a:p>
+          <a:p>
+            <a:r>
+              <a:rPr lang="ko-KR" altLang="en-US" sz="2000" dirty="0">
+                <a:ea typeface="맑은 고딕"/>
+              </a:rPr>
               <a:t>선수는 최대 18명까지 보유가능</a:t>
+            </a:r>
+          </a:p>
+          <a:p>
+            <a:endParaRPr lang="ko-KR" altLang="en-US" sz="2000" dirty="0">
+              <a:ea typeface="맑은 고딕"/>
+            </a:endParaRPr>
+          </a:p>
+          <a:p>
+            <a:r>
+              <a:rPr lang="ko-KR" altLang="en-US" sz="2000" dirty="0">
+                <a:ea typeface="맑은 고딕"/>
+              </a:rPr>
+              <a:t>선수 방출과 매각 가능</a:t>
+            </a:r>
+          </a:p>
+          <a:p>
+            <a:r>
+              <a:rPr lang="ko-KR" altLang="en-US" sz="2000" dirty="0">
+                <a:ea typeface="맑은 고딕"/>
+              </a:rPr>
+              <a:t>※</a:t>
+            </a:r>
+            <a:r>
+              <a:rPr lang="ko-KR" altLang="en-US" sz="2000" dirty="0" err="1">
+                <a:ea typeface="맑은 고딕"/>
+              </a:rPr>
+              <a:t>시즌중에</a:t>
+            </a:r>
+            <a:r>
+              <a:rPr lang="ko-KR" altLang="en-US" sz="2000" dirty="0">
+                <a:ea typeface="맑은 고딕"/>
+              </a:rPr>
+              <a:t> 영입한 선수 판매 시 판매불가 텍스트 출력</a:t>
             </a:r>
           </a:p>
         </p:txBody>
@@ -4529,109 +4653,6 @@
                 <a:ea typeface="맑은 고딕"/>
               </a:rPr>
               <a:t> 영입과 매각</a:t>
-            </a:r>
-          </a:p>
-        </p:txBody>
-      </p:sp>
-      <p:sp>
-        <p:nvSpPr>
-          <p:cNvPr id="3" name="내용 개체 틀 2">
-            <a:extLst>
-              <a:ext uri="{FF2B5EF4-FFF2-40B4-BE49-F238E27FC236}">
-                <a16:creationId xmlns:a16="http://schemas.microsoft.com/office/drawing/2014/main" id="{C10D19BD-9F85-37FB-B044-3583F3C7DC49}"/>
-              </a:ext>
-            </a:extLst>
-          </p:cNvPr>
-          <p:cNvSpPr>
-            <a:spLocks noGrp="1"/>
-          </p:cNvSpPr>
-          <p:nvPr>
-            <p:ph idx="1"/>
-          </p:nvPr>
-        </p:nvSpPr>
-        <p:spPr>
-          <a:xfrm>
-            <a:off x="5839495" y="2018809"/>
-            <a:ext cx="5900671" cy="4351338"/>
-          </a:xfrm>
-        </p:spPr>
-        <p:txBody>
-          <a:bodyPr vert="horz" lIns="91440" tIns="45720" rIns="91440" bIns="45720" rtlCol="0" anchor="t">
-            <a:normAutofit/>
-          </a:bodyPr>
-          <a:lstStyle/>
-          <a:p>
-            <a:r>
-              <a:rPr lang="ko-KR" altLang="en-US" sz="1400">
-                <a:ea typeface="맑은 고딕"/>
-              </a:rPr>
-              <a:t>선수영입은 </a:t>
-            </a:r>
-            <a:r>
-              <a:rPr lang="ko-KR" altLang="en-US" sz="1400" err="1">
-                <a:ea typeface="맑은 고딕"/>
-              </a:rPr>
-              <a:t>하급,중급,상급</a:t>
-            </a:r>
-            <a:r>
-              <a:rPr lang="ko-KR" altLang="en-US" sz="1400">
-                <a:ea typeface="맑은 고딕"/>
-              </a:rPr>
-              <a:t> 뽑기로 진행</a:t>
-            </a:r>
-          </a:p>
-          <a:p>
-            <a:r>
-              <a:rPr lang="ko-KR" altLang="en-US" sz="1400">
-                <a:ea typeface="맑은 고딕"/>
-              </a:rPr>
-              <a:t>하급에서 </a:t>
-            </a:r>
-            <a:r>
-              <a:rPr lang="ko-KR" altLang="en-US" sz="1400" err="1">
-                <a:ea typeface="맑은 고딕"/>
-              </a:rPr>
-              <a:t>안좋은</a:t>
-            </a:r>
-            <a:r>
-              <a:rPr lang="ko-KR" altLang="en-US" sz="1400">
-                <a:ea typeface="맑은 고딕"/>
-              </a:rPr>
-              <a:t> 선수가 나오는 것이 아닌 좋은 선수가 나올 수 있고, 상급에서도 좋지 않은 선수가 나올 수 있음</a:t>
-            </a:r>
-          </a:p>
-          <a:p>
-            <a:r>
-              <a:rPr lang="ko-KR" altLang="en-US" sz="1400">
-                <a:ea typeface="맑은 고딕"/>
-              </a:rPr>
-              <a:t>선수의 최대 등급은 팀 명성치에 따라 차등 되며 중급과 상급은 일정 </a:t>
-            </a:r>
-            <a:r>
-              <a:rPr lang="ko-KR" altLang="en-US" sz="1400" err="1">
-                <a:ea typeface="맑은 고딕"/>
-              </a:rPr>
-              <a:t>명성치</a:t>
-            </a:r>
-            <a:r>
-              <a:rPr lang="ko-KR" altLang="en-US" sz="1400">
-                <a:ea typeface="맑은 고딕"/>
-              </a:rPr>
-              <a:t> 이상이 되어야 해금 된다.</a:t>
-            </a:r>
-            <a:r>
-              <a:rPr lang="ko-KR" altLang="en-US">
-                <a:ea typeface="맑은 고딕"/>
-              </a:rPr>
-              <a:t> </a:t>
-            </a:r>
-          </a:p>
-          <a:p>
-            <a:r>
-              <a:rPr lang="ko-KR" altLang="en-US" sz="1400">
-                <a:ea typeface="맑은 고딕"/>
-              </a:rPr>
-              <a:t>한번 구입한 선수는 해당시즌에는 판매가 불가능하며 다음 시즌부터 판매가 가능하다.(다만 방출은 가능하다.)</a:t>
             </a:r>
           </a:p>
         </p:txBody>
